--- a/week-1/slides/week-1.pptx
+++ b/week-1/slides/week-1.pptx
@@ -5,7 +5,7 @@
     <p:sldMasterId id="2147483648" r:id="rId1"/>
   </p:sldMasterIdLst>
   <p:notesMasterIdLst>
-    <p:notesMasterId r:id="rId13"/>
+    <p:notesMasterId r:id="rId14"/>
   </p:notesMasterIdLst>
   <p:sldIdLst>
     <p:sldId id="265" r:id="rId2"/>
@@ -19,26 +19,27 @@
     <p:sldId id="263" r:id="rId10"/>
     <p:sldId id="264" r:id="rId11"/>
     <p:sldId id="266" r:id="rId12"/>
+    <p:sldId id="267" r:id="rId13"/>
   </p:sldIdLst>
   <p:sldSz cx="12192000" cy="6858000"/>
   <p:notesSz cx="6858000" cy="9144000"/>
   <p:embeddedFontLst>
     <p:embeddedFont>
       <p:font typeface="ELAND 초이스OTF Bold" panose="02020503020101020101" pitchFamily="18" charset="-127"/>
-      <p:regular r:id="rId14"/>
+      <p:regular r:id="rId15"/>
     </p:embeddedFont>
     <p:embeddedFont>
       <p:font typeface="ELAND 초이스OTF Light" panose="02020503020101020101" pitchFamily="18" charset="-127"/>
-      <p:regular r:id="rId15"/>
+      <p:regular r:id="rId16"/>
     </p:embeddedFont>
     <p:embeddedFont>
       <p:font typeface="ELAND 초이스OTF Medium" panose="02020503020101020101" pitchFamily="18" charset="-127"/>
-      <p:regular r:id="rId16"/>
+      <p:regular r:id="rId17"/>
     </p:embeddedFont>
     <p:embeddedFont>
       <p:font typeface="맑은 고딕" panose="020B0503020000020004" pitchFamily="50" charset="-127"/>
-      <p:regular r:id="rId17"/>
-      <p:bold r:id="rId18"/>
+      <p:regular r:id="rId18"/>
+      <p:bold r:id="rId19"/>
     </p:embeddedFont>
   </p:embeddedFontLst>
   <p:defaultTextStyle>
@@ -2228,6 +2229,166 @@
       <p:bldP spid="8" grpId="0"/>
     </p:bldLst>
   </p:timing>
+</p:sld>
+</file>
+
+<file path=ppt/slides/slide12.xml><?xml version="1.0" encoding="utf-8"?>
+<p:sld xmlns:a="http://schemas.openxmlformats.org/drawingml/2006/main" xmlns:r="http://schemas.openxmlformats.org/officeDocument/2006/relationships" xmlns:p="http://schemas.openxmlformats.org/presentationml/2006/main">
+  <p:cSld>
+    <p:spTree>
+      <p:nvGrpSpPr>
+        <p:cNvPr id="1" name=""/>
+        <p:cNvGrpSpPr/>
+        <p:nvPr/>
+      </p:nvGrpSpPr>
+      <p:grpSpPr>
+        <a:xfrm>
+          <a:off x="0" y="0"/>
+          <a:ext cx="0" cy="0"/>
+          <a:chOff x="0" y="0"/>
+          <a:chExt cx="0" cy="0"/>
+        </a:xfrm>
+      </p:grpSpPr>
+      <p:sp>
+        <p:nvSpPr>
+          <p:cNvPr id="2" name="제목 1">
+            <a:extLst>
+              <a:ext uri="{FF2B5EF4-FFF2-40B4-BE49-F238E27FC236}">
+                <a16:creationId xmlns:a16="http://schemas.microsoft.com/office/drawing/2014/main" id="{ADFC0007-0492-F205-E9E5-7BC5CC48C036}"/>
+              </a:ext>
+            </a:extLst>
+          </p:cNvPr>
+          <p:cNvSpPr>
+            <a:spLocks noGrp="1"/>
+          </p:cNvSpPr>
+          <p:nvPr>
+            <p:ph type="title"/>
+          </p:nvPr>
+        </p:nvSpPr>
+        <p:spPr/>
+        <p:txBody>
+          <a:bodyPr/>
+          <a:lstStyle/>
+          <a:p>
+            <a:r>
+              <a:rPr lang="en-US" altLang="ko-KR" dirty="0"/>
+              <a:t>  React</a:t>
+            </a:r>
+            <a:r>
+              <a:rPr lang="ko-KR" altLang="en-US" dirty="0"/>
+              <a:t>와 친해지기</a:t>
+            </a:r>
+          </a:p>
+        </p:txBody>
+      </p:sp>
+      <p:sp>
+        <p:nvSpPr>
+          <p:cNvPr id="5" name="TextBox 4">
+            <a:extLst>
+              <a:ext uri="{FF2B5EF4-FFF2-40B4-BE49-F238E27FC236}">
+                <a16:creationId xmlns:a16="http://schemas.microsoft.com/office/drawing/2014/main" id="{383C1576-02BD-E3B9-D4C8-3E8E3491768F}"/>
+              </a:ext>
+            </a:extLst>
+          </p:cNvPr>
+          <p:cNvSpPr txBox="1"/>
+          <p:nvPr/>
+        </p:nvSpPr>
+        <p:spPr>
+          <a:xfrm>
+            <a:off x="3594960" y="5405715"/>
+            <a:ext cx="5002075" cy="369332"/>
+          </a:xfrm>
+          <a:prstGeom prst="rect">
+            <a:avLst/>
+          </a:prstGeom>
+          <a:noFill/>
+        </p:spPr>
+        <p:txBody>
+          <a:bodyPr wrap="none" rtlCol="0">
+            <a:spAutoFit/>
+          </a:bodyPr>
+          <a:lstStyle/>
+          <a:p>
+            <a:pPr algn="ctr"/>
+            <a:r>
+              <a:rPr lang="en-US" altLang="ko-KR" dirty="0">
+                <a:solidFill>
+                  <a:schemeClr val="bg1"/>
+                </a:solidFill>
+                <a:latin typeface="ELAND 초이스OTF Bold" panose="02020503020101020101" pitchFamily="18" charset="-127"/>
+                <a:ea typeface="ELAND 초이스OTF Bold" panose="02020503020101020101" pitchFamily="18" charset="-127"/>
+                <a:hlinkClick r:id="rId2">
+                  <a:extLst>
+                    <a:ext uri="{A12FA001-AC4F-418D-AE19-62706E023703}">
+                      <ahyp:hlinkClr xmlns:ahyp="http://schemas.microsoft.com/office/drawing/2018/hyperlinkcolor" val="tx"/>
+                    </a:ext>
+                  </a:extLst>
+                </a:hlinkClick>
+              </a:rPr>
+              <a:t>https://ko.reactjs.org/tutorial/tutorial.html</a:t>
+            </a:r>
+            <a:endParaRPr lang="en-US" altLang="ko-KR" dirty="0">
+              <a:solidFill>
+                <a:schemeClr val="bg1"/>
+              </a:solidFill>
+              <a:latin typeface="ELAND 초이스OTF Bold" panose="02020503020101020101" pitchFamily="18" charset="-127"/>
+              <a:ea typeface="ELAND 초이스OTF Bold" panose="02020503020101020101" pitchFamily="18" charset="-127"/>
+            </a:endParaRPr>
+          </a:p>
+        </p:txBody>
+      </p:sp>
+      <p:pic>
+        <p:nvPicPr>
+          <p:cNvPr id="7" name="그림 6">
+            <a:extLst>
+              <a:ext uri="{FF2B5EF4-FFF2-40B4-BE49-F238E27FC236}">
+                <a16:creationId xmlns:a16="http://schemas.microsoft.com/office/drawing/2014/main" id="{DEDE4BD8-5FA5-345A-FAAA-378B94DBA7D1}"/>
+              </a:ext>
+            </a:extLst>
+          </p:cNvPr>
+          <p:cNvPicPr>
+            <a:picLocks noChangeAspect="1"/>
+          </p:cNvPicPr>
+          <p:nvPr/>
+        </p:nvPicPr>
+        <p:blipFill>
+          <a:blip r:embed="rId3"/>
+          <a:stretch>
+            <a:fillRect/>
+          </a:stretch>
+        </p:blipFill>
+        <p:spPr>
+          <a:xfrm>
+            <a:off x="3838135" y="2191218"/>
+            <a:ext cx="4515729" cy="2914835"/>
+          </a:xfrm>
+          <a:prstGeom prst="rect">
+            <a:avLst/>
+          </a:prstGeom>
+        </p:spPr>
+      </p:pic>
+    </p:spTree>
+    <p:extLst>
+      <p:ext uri="{BB962C8B-B14F-4D97-AF65-F5344CB8AC3E}">
+        <p14:creationId xmlns:p14="http://schemas.microsoft.com/office/powerpoint/2010/main" val="3818470771"/>
+      </p:ext>
+    </p:extLst>
+  </p:cSld>
+  <p:clrMapOvr>
+    <a:masterClrMapping/>
+  </p:clrMapOvr>
+  <mc:AlternateContent xmlns:mc="http://schemas.openxmlformats.org/markup-compatibility/2006" xmlns:p159="http://schemas.microsoft.com/office/powerpoint/2015/09/main">
+    <mc:Choice Requires="p159">
+      <p:transition spd="slow">
+        <p159:morph option="byObject"/>
+      </p:transition>
+    </mc:Choice>
+    <mc:Fallback xmlns="">
+      <p:transition spd="slow">
+        <p:fade/>
+      </p:transition>
+    </mc:Fallback>
+  </mc:AlternateContent>
 </p:sld>
 </file>
 
